--- a/docs/diagrams/RecentCommandListOne.pptx
+++ b/docs/diagrams/RecentCommandListOne.pptx
@@ -261,7 +261,7 @@
           <a:p>
             <a:fld id="{03EC4E3E-8101-482F-A883-8B55DAFF7C07}" type="datetimeFigureOut">
               <a:rPr lang="en-SG" smtClean="0"/>
-              <a:t>23/3/2018</a:t>
+              <a:t>14/4/2018</a:t>
             </a:fld>
             <a:endParaRPr lang="en-SG"/>
           </a:p>
@@ -461,7 +461,7 @@
           <a:p>
             <a:fld id="{03EC4E3E-8101-482F-A883-8B55DAFF7C07}" type="datetimeFigureOut">
               <a:rPr lang="en-SG" smtClean="0"/>
-              <a:t>23/3/2018</a:t>
+              <a:t>14/4/2018</a:t>
             </a:fld>
             <a:endParaRPr lang="en-SG"/>
           </a:p>
@@ -671,7 +671,7 @@
           <a:p>
             <a:fld id="{03EC4E3E-8101-482F-A883-8B55DAFF7C07}" type="datetimeFigureOut">
               <a:rPr lang="en-SG" smtClean="0"/>
-              <a:t>23/3/2018</a:t>
+              <a:t>14/4/2018</a:t>
             </a:fld>
             <a:endParaRPr lang="en-SG"/>
           </a:p>
@@ -871,7 +871,7 @@
           <a:p>
             <a:fld id="{03EC4E3E-8101-482F-A883-8B55DAFF7C07}" type="datetimeFigureOut">
               <a:rPr lang="en-SG" smtClean="0"/>
-              <a:t>23/3/2018</a:t>
+              <a:t>14/4/2018</a:t>
             </a:fld>
             <a:endParaRPr lang="en-SG"/>
           </a:p>
@@ -1147,7 +1147,7 @@
           <a:p>
             <a:fld id="{03EC4E3E-8101-482F-A883-8B55DAFF7C07}" type="datetimeFigureOut">
               <a:rPr lang="en-SG" smtClean="0"/>
-              <a:t>23/3/2018</a:t>
+              <a:t>14/4/2018</a:t>
             </a:fld>
             <a:endParaRPr lang="en-SG"/>
           </a:p>
@@ -1415,7 +1415,7 @@
           <a:p>
             <a:fld id="{03EC4E3E-8101-482F-A883-8B55DAFF7C07}" type="datetimeFigureOut">
               <a:rPr lang="en-SG" smtClean="0"/>
-              <a:t>23/3/2018</a:t>
+              <a:t>14/4/2018</a:t>
             </a:fld>
             <a:endParaRPr lang="en-SG"/>
           </a:p>
@@ -1830,7 +1830,7 @@
           <a:p>
             <a:fld id="{03EC4E3E-8101-482F-A883-8B55DAFF7C07}" type="datetimeFigureOut">
               <a:rPr lang="en-SG" smtClean="0"/>
-              <a:t>23/3/2018</a:t>
+              <a:t>14/4/2018</a:t>
             </a:fld>
             <a:endParaRPr lang="en-SG"/>
           </a:p>
@@ -1972,7 +1972,7 @@
           <a:p>
             <a:fld id="{03EC4E3E-8101-482F-A883-8B55DAFF7C07}" type="datetimeFigureOut">
               <a:rPr lang="en-SG" smtClean="0"/>
-              <a:t>23/3/2018</a:t>
+              <a:t>14/4/2018</a:t>
             </a:fld>
             <a:endParaRPr lang="en-SG"/>
           </a:p>
@@ -2085,7 +2085,7 @@
           <a:p>
             <a:fld id="{03EC4E3E-8101-482F-A883-8B55DAFF7C07}" type="datetimeFigureOut">
               <a:rPr lang="en-SG" smtClean="0"/>
-              <a:t>23/3/2018</a:t>
+              <a:t>14/4/2018</a:t>
             </a:fld>
             <a:endParaRPr lang="en-SG"/>
           </a:p>
@@ -2398,7 +2398,7 @@
           <a:p>
             <a:fld id="{03EC4E3E-8101-482F-A883-8B55DAFF7C07}" type="datetimeFigureOut">
               <a:rPr lang="en-SG" smtClean="0"/>
-              <a:t>23/3/2018</a:t>
+              <a:t>14/4/2018</a:t>
             </a:fld>
             <a:endParaRPr lang="en-SG"/>
           </a:p>
@@ -2687,7 +2687,7 @@
           <a:p>
             <a:fld id="{03EC4E3E-8101-482F-A883-8B55DAFF7C07}" type="datetimeFigureOut">
               <a:rPr lang="en-SG" smtClean="0"/>
-              <a:t>23/3/2018</a:t>
+              <a:t>14/4/2018</a:t>
             </a:fld>
             <a:endParaRPr lang="en-SG"/>
           </a:p>
@@ -2930,7 +2930,7 @@
           <a:p>
             <a:fld id="{03EC4E3E-8101-482F-A883-8B55DAFF7C07}" type="datetimeFigureOut">
               <a:rPr lang="en-SG" smtClean="0"/>
-              <a:t>23/3/2018</a:t>
+              <a:t>14/4/2018</a:t>
             </a:fld>
             <a:endParaRPr lang="en-SG"/>
           </a:p>
@@ -3349,10 +3349,10 @@
       </p:grpSpPr>
       <p:sp>
         <p:nvSpPr>
-          <p:cNvPr id="2" name="Rectangle 1">
-            <a:extLst>
-              <a:ext uri="{FF2B5EF4-FFF2-40B4-BE49-F238E27FC236}">
-                <a16:creationId xmlns:a16="http://schemas.microsoft.com/office/drawing/2014/main" id="{E4C5B53F-0D7D-4074-84B3-E75C9156976C}"/>
+          <p:cNvPr id="32" name="Rectangle 31">
+            <a:extLst>
+              <a:ext uri="{FF2B5EF4-FFF2-40B4-BE49-F238E27FC236}">
+                <a16:creationId xmlns:a16="http://schemas.microsoft.com/office/drawing/2014/main" id="{910A776F-3E8D-4C08-9F8C-8917A66806C4}"/>
               </a:ext>
             </a:extLst>
           </p:cNvPr>
@@ -3361,8 +3361,8 @@
         </p:nvSpPr>
         <p:spPr>
           <a:xfrm>
-            <a:off x="4190260" y="741684"/>
-            <a:ext cx="5832629" cy="1171852"/>
+            <a:off x="4190261" y="4089535"/>
+            <a:ext cx="4041760" cy="1171852"/>
           </a:xfrm>
           <a:prstGeom prst="rect">
             <a:avLst/>
@@ -3403,6 +3403,60 @@
       </p:sp>
       <p:sp>
         <p:nvSpPr>
+          <p:cNvPr id="2" name="Rectangle 1">
+            <a:extLst>
+              <a:ext uri="{FF2B5EF4-FFF2-40B4-BE49-F238E27FC236}">
+                <a16:creationId xmlns:a16="http://schemas.microsoft.com/office/drawing/2014/main" id="{E4C5B53F-0D7D-4074-84B3-E75C9156976C}"/>
+              </a:ext>
+            </a:extLst>
+          </p:cNvPr>
+          <p:cNvSpPr/>
+          <p:nvPr/>
+        </p:nvSpPr>
+        <p:spPr>
+          <a:xfrm>
+            <a:off x="4190261" y="741684"/>
+            <a:ext cx="4041760" cy="1171852"/>
+          </a:xfrm>
+          <a:prstGeom prst="rect">
+            <a:avLst/>
+          </a:prstGeom>
+          <a:solidFill>
+            <a:schemeClr val="bg1"/>
+          </a:solidFill>
+          <a:ln w="28575">
+            <a:solidFill>
+              <a:schemeClr val="tx1"/>
+            </a:solidFill>
+          </a:ln>
+        </p:spPr>
+        <p:style>
+          <a:lnRef idx="2">
+            <a:schemeClr val="accent1">
+              <a:shade val="50000"/>
+            </a:schemeClr>
+          </a:lnRef>
+          <a:fillRef idx="1">
+            <a:schemeClr val="accent1"/>
+          </a:fillRef>
+          <a:effectRef idx="0">
+            <a:schemeClr val="accent1"/>
+          </a:effectRef>
+          <a:fontRef idx="minor">
+            <a:schemeClr val="lt1"/>
+          </a:fontRef>
+        </p:style>
+        <p:txBody>
+          <a:bodyPr rtlCol="0" anchor="ctr"/>
+          <a:lstStyle/>
+          <a:p>
+            <a:pPr algn="ctr"/>
+            <a:endParaRPr lang="en-SG"/>
+          </a:p>
+        </p:txBody>
+      </p:sp>
+      <p:sp>
+        <p:nvSpPr>
           <p:cNvPr id="18" name="TextBox 17">
             <a:extLst>
               <a:ext uri="{FF2B5EF4-FFF2-40B4-BE49-F238E27FC236}">
@@ -3415,7 +3469,7 @@
         </p:nvSpPr>
         <p:spPr>
           <a:xfrm>
-            <a:off x="5768951" y="1974706"/>
+            <a:off x="4899767" y="1956069"/>
             <a:ext cx="2463069" cy="365972"/>
           </a:xfrm>
           <a:prstGeom prst="rect">
@@ -3456,7 +3510,7 @@
         </p:nvSpPr>
         <p:spPr>
           <a:xfrm>
-            <a:off x="952336" y="741684"/>
+            <a:off x="1427125" y="741684"/>
             <a:ext cx="1954621" cy="4944862"/>
           </a:xfrm>
           <a:prstGeom prst="rect">
@@ -3590,13 +3644,13 @@
           <p:nvPr>
             <p:extLst>
               <p:ext uri="{D42A27DB-BD31-4B8C-83A1-F6EECF244321}">
-                <p14:modId xmlns:p14="http://schemas.microsoft.com/office/powerpoint/2010/main" val="833391921"/>
+                <p14:modId xmlns:p14="http://schemas.microsoft.com/office/powerpoint/2010/main" val="1430404312"/>
               </p:ext>
             </p:extLst>
           </p:nvPr>
         </p:nvGraphicFramePr>
         <p:xfrm>
-          <a:off x="1012945" y="811911"/>
+          <a:off x="1487734" y="811911"/>
           <a:ext cx="1811044" cy="1005840"/>
         </p:xfrm>
         <a:graphic>
@@ -3703,13 +3757,13 @@
           <p:nvPr>
             <p:extLst>
               <p:ext uri="{D42A27DB-BD31-4B8C-83A1-F6EECF244321}">
-                <p14:modId xmlns:p14="http://schemas.microsoft.com/office/powerpoint/2010/main" val="927432962"/>
+                <p14:modId xmlns:p14="http://schemas.microsoft.com/office/powerpoint/2010/main" val="2503559408"/>
               </p:ext>
             </p:extLst>
           </p:nvPr>
         </p:nvGraphicFramePr>
         <p:xfrm>
-          <a:off x="1012945" y="1913536"/>
+          <a:off x="1487734" y="1913536"/>
           <a:ext cx="1811044" cy="1005840"/>
         </p:xfrm>
         <a:graphic>
@@ -3816,13 +3870,13 @@
           <p:nvPr>
             <p:extLst>
               <p:ext uri="{D42A27DB-BD31-4B8C-83A1-F6EECF244321}">
-                <p14:modId xmlns:p14="http://schemas.microsoft.com/office/powerpoint/2010/main" val="2103229736"/>
+                <p14:modId xmlns:p14="http://schemas.microsoft.com/office/powerpoint/2010/main" val="2045164625"/>
               </p:ext>
             </p:extLst>
           </p:nvPr>
         </p:nvGraphicFramePr>
         <p:xfrm>
-          <a:off x="1012945" y="3015161"/>
+          <a:off x="1487734" y="3015161"/>
           <a:ext cx="1811044" cy="1005840"/>
         </p:xfrm>
         <a:graphic>
@@ -3929,13 +3983,13 @@
           <p:nvPr>
             <p:extLst>
               <p:ext uri="{D42A27DB-BD31-4B8C-83A1-F6EECF244321}">
-                <p14:modId xmlns:p14="http://schemas.microsoft.com/office/powerpoint/2010/main" val="3576041711"/>
+                <p14:modId xmlns:p14="http://schemas.microsoft.com/office/powerpoint/2010/main" val="3204117697"/>
               </p:ext>
             </p:extLst>
           </p:nvPr>
         </p:nvGraphicFramePr>
         <p:xfrm>
-          <a:off x="1012945" y="4116786"/>
+          <a:off x="1498913" y="4113916"/>
           <a:ext cx="1811044" cy="1005840"/>
         </p:xfrm>
         <a:graphic>
@@ -4041,7 +4095,7 @@
         </p:nvSpPr>
         <p:spPr>
           <a:xfrm>
-            <a:off x="772302" y="5693831"/>
+            <a:off x="1247091" y="5693831"/>
             <a:ext cx="2463069" cy="365972"/>
           </a:xfrm>
           <a:prstGeom prst="rect">
@@ -4065,60 +4119,6 @@
             <a:endParaRPr lang="en-SG" dirty="0">
               <a:latin typeface="Consolas" panose="020B0609020204030204" pitchFamily="49" charset="0"/>
             </a:endParaRPr>
-          </a:p>
-        </p:txBody>
-      </p:sp>
-      <p:sp>
-        <p:nvSpPr>
-          <p:cNvPr id="32" name="Rectangle 31">
-            <a:extLst>
-              <a:ext uri="{FF2B5EF4-FFF2-40B4-BE49-F238E27FC236}">
-                <a16:creationId xmlns:a16="http://schemas.microsoft.com/office/drawing/2014/main" id="{910A776F-3E8D-4C08-9F8C-8917A66806C4}"/>
-              </a:ext>
-            </a:extLst>
-          </p:cNvPr>
-          <p:cNvSpPr/>
-          <p:nvPr/>
-        </p:nvSpPr>
-        <p:spPr>
-          <a:xfrm>
-            <a:off x="4190260" y="4089535"/>
-            <a:ext cx="5832629" cy="1171852"/>
-          </a:xfrm>
-          <a:prstGeom prst="rect">
-            <a:avLst/>
-          </a:prstGeom>
-          <a:solidFill>
-            <a:schemeClr val="bg1"/>
-          </a:solidFill>
-          <a:ln w="28575">
-            <a:solidFill>
-              <a:schemeClr val="tx1"/>
-            </a:solidFill>
-          </a:ln>
-        </p:spPr>
-        <p:style>
-          <a:lnRef idx="2">
-            <a:schemeClr val="accent1">
-              <a:shade val="50000"/>
-            </a:schemeClr>
-          </a:lnRef>
-          <a:fillRef idx="1">
-            <a:schemeClr val="accent1"/>
-          </a:fillRef>
-          <a:effectRef idx="0">
-            <a:schemeClr val="accent1"/>
-          </a:effectRef>
-          <a:fontRef idx="minor">
-            <a:schemeClr val="lt1"/>
-          </a:fontRef>
-        </p:style>
-        <p:txBody>
-          <a:bodyPr rtlCol="0" anchor="ctr"/>
-          <a:lstStyle/>
-          <a:p>
-            <a:pPr algn="ctr"/>
-            <a:endParaRPr lang="en-SG"/>
           </a:p>
         </p:txBody>
       </p:sp>
@@ -4243,7 +4243,7 @@
         </p:nvSpPr>
         <p:spPr>
           <a:xfrm>
-            <a:off x="5768951" y="5322557"/>
+            <a:off x="4899767" y="5303920"/>
             <a:ext cx="2463069" cy="365972"/>
           </a:xfrm>
           <a:prstGeom prst="rect">
@@ -4284,7 +4284,7 @@
         </p:nvGrpSpPr>
         <p:grpSpPr>
           <a:xfrm>
-            <a:off x="6198708" y="2463993"/>
+            <a:off x="5329524" y="2445356"/>
             <a:ext cx="1539462" cy="1415552"/>
             <a:chOff x="6474978" y="2463993"/>
             <a:chExt cx="1263192" cy="1415552"/>
